--- a/A QUICK INTRODUCTION TO SPATIAL STATISTICS.pptx
+++ b/A QUICK INTRODUCTION TO SPATIAL STATISTICS.pptx
@@ -7810,8 +7810,8 @@
         </p:nvSpPr>
         <p:spPr>
           <a:xfrm>
-            <a:off x="8342357" y="1638300"/>
-            <a:ext cx="3330531" cy="3581400"/>
+            <a:off x="7687995" y="1638300"/>
+            <a:ext cx="3984894" cy="3581400"/>
           </a:xfrm>
         </p:spPr>
         <p:txBody>
@@ -7822,7 +7822,7 @@
           <a:p>
             <a:pPr algn="l"/>
             <a:r>
-              <a:rPr lang="en-US">
+              <a:rPr lang="en-US" dirty="0">
                 <a:solidFill>
                   <a:schemeClr val="tx2"/>
                 </a:solidFill>
@@ -7833,7 +7833,7 @@
           <a:p>
             <a:pPr algn="l"/>
             <a:r>
-              <a:rPr lang="en-US">
+              <a:rPr lang="en-US" dirty="0">
                 <a:solidFill>
                   <a:schemeClr val="tx2"/>
                 </a:solidFill>
@@ -7844,7 +7844,7 @@
           <a:p>
             <a:pPr algn="l"/>
             <a:r>
-              <a:rPr lang="en-US">
+              <a:rPr lang="en-US" dirty="0">
                 <a:solidFill>
                   <a:schemeClr val="tx2"/>
                 </a:solidFill>
